--- a/RAP Managed : Unmanaged Presentation/RAP_DEMO_DOKU_en_managed.pptx
+++ b/RAP Managed : Unmanaged Presentation/RAP_DEMO_DOKU_en_managed.pptx
@@ -6526,8 +6526,8 @@
           <a:p>
             <a:pPr algn="ctr"/>
             <a:r>
-              <a:rPr lang="de-DE" sz="1600" dirty="0"/>
-              <a:t>Implement </a:t>
+              <a:rPr lang="de-DE" sz="1600"/>
+              <a:t>Create </a:t>
             </a:r>
             <a:r>
               <a:rPr lang="de-DE" sz="1600" dirty="0" err="1"/>
@@ -11968,7 +11968,7 @@
             <a:pPr algn="ctr"/>
             <a:r>
               <a:rPr lang="de-DE" sz="1200" dirty="0"/>
-              <a:t>Implement </a:t>
+              <a:t>Create </a:t>
             </a:r>
             <a:r>
               <a:rPr lang="de-DE" sz="1200" dirty="0" err="1"/>
